--- a/model_evaluation/images/precision_recall_curve.pptx
+++ b/model_evaluation/images/precision_recall_curve.pptx
@@ -104,6 +104,11 @@
       </a:defRPr>
     </a:lvl9pPr>
   </p:defaultTextStyle>
+  <p:extLst>
+    <p:ext uri="{EFAFB233-063F-42B5-8137-9DF3F51BA10A}">
+      <p15:sldGuideLst xmlns:p15="http://schemas.microsoft.com/office/powerpoint/2012/main"/>
+    </p:ext>
+  </p:extLst>
 </p:presentation>
 </file>
 
@@ -3335,10 +3340,10 @@
         </p:nvGrpSpPr>
         <p:grpSpPr>
           <a:xfrm>
-            <a:off x="4646698" y="2140894"/>
-            <a:ext cx="2776452" cy="2687595"/>
-            <a:chOff x="4646698" y="2140894"/>
-            <a:chExt cx="2776452" cy="2687595"/>
+            <a:off x="4646699" y="2104217"/>
+            <a:ext cx="2776451" cy="2724272"/>
+            <a:chOff x="4646699" y="2104217"/>
+            <a:chExt cx="2776451" cy="2724272"/>
           </a:xfrm>
         </p:grpSpPr>
         <p:pic>
@@ -3388,7 +3393,7 @@
               <p:spPr>
                 <a:xfrm>
                   <a:off x="5076457" y="4541744"/>
-                  <a:ext cx="2203680" cy="286745"/>
+                  <a:ext cx="2271712" cy="286745"/>
                 </a:xfrm>
                 <a:prstGeom prst="rect">
                   <a:avLst/>
@@ -3401,6 +3406,7 @@
                 </a:bodyPr>
                 <a:lstStyle/>
                 <a:p>
+                  <a:pPr/>
                   <a14:m>
                     <m:oMathPara xmlns:m="http://schemas.openxmlformats.org/officeDocument/2006/math">
                       <m:oMathParaPr>
@@ -3453,7 +3459,7 @@
                                   <a:rPr lang="en-US" sz="1100" b="0" i="1" smtClean="0">
                                     <a:latin typeface="Cambria Math" panose="02040503050406030204" pitchFamily="18" charset="0"/>
                                   </a:rPr>
-                                  <m:t>𝑌</m:t>
+                                  <m:t>𝑦</m:t>
                                 </m:r>
                               </m:e>
                               <m:sub>
@@ -3469,7 +3475,25 @@
                               <a:rPr lang="en-US" sz="1100" b="0" i="1" smtClean="0">
                                 <a:latin typeface="Cambria Math" panose="02040503050406030204" pitchFamily="18" charset="0"/>
                               </a:rPr>
-                              <m:t>=1|</m:t>
+                              <m:t>=1</m:t>
+                            </m:r>
+                            <m:r>
+                              <a:rPr lang="en-US" sz="1100" b="0" i="1" smtClean="0">
+                                <a:latin typeface="Cambria Math" panose="02040503050406030204" pitchFamily="18" charset="0"/>
+                              </a:rPr>
+                              <m:t> </m:t>
+                            </m:r>
+                            <m:r>
+                              <a:rPr lang="en-US" sz="1100" b="0" i="1" smtClean="0">
+                                <a:latin typeface="Cambria Math" panose="02040503050406030204" pitchFamily="18" charset="0"/>
+                              </a:rPr>
+                              <m:t>|</m:t>
+                            </m:r>
+                            <m:r>
+                              <a:rPr lang="en-US" sz="1100" b="0" i="1" smtClean="0">
+                                <a:latin typeface="Cambria Math" panose="02040503050406030204" pitchFamily="18" charset="0"/>
+                              </a:rPr>
+                              <m:t> </m:t>
                             </m:r>
                             <m:sSub>
                               <m:sSubPr>
@@ -3484,7 +3508,7 @@
                                   <a:rPr lang="en-US" sz="1100" b="0" i="1" smtClean="0">
                                     <a:latin typeface="Cambria Math" panose="02040503050406030204" pitchFamily="18" charset="0"/>
                                   </a:rPr>
-                                  <m:t>𝑌</m:t>
+                                  <m:t>𝑦</m:t>
                                 </m:r>
                               </m:e>
                               <m:sub>
@@ -3530,7 +3554,7 @@
               <p:spPr>
                 <a:xfrm>
                   <a:off x="5076457" y="4541744"/>
-                  <a:ext cx="2203680" cy="286745"/>
+                  <a:ext cx="2271712" cy="286745"/>
                 </a:xfrm>
                 <a:prstGeom prst="rect">
                   <a:avLst/>
@@ -3573,8 +3597,8 @@
               </p:nvSpPr>
               <p:spPr>
                 <a:xfrm rot="16200000">
-                  <a:off x="3589646" y="3197946"/>
-                  <a:ext cx="2400850" cy="286745"/>
+                  <a:off x="3552970" y="3197946"/>
+                  <a:ext cx="2474203" cy="286745"/>
                 </a:xfrm>
                 <a:prstGeom prst="rect">
                   <a:avLst/>
@@ -3587,6 +3611,7 @@
                 </a:bodyPr>
                 <a:lstStyle/>
                 <a:p>
+                  <a:pPr/>
                   <a14:m>
                     <m:oMathPara xmlns:m="http://schemas.openxmlformats.org/officeDocument/2006/math">
                       <m:oMathParaPr>
@@ -3648,7 +3673,7 @@
                                   <a:rPr lang="en-US" sz="1100" b="0" i="1" smtClean="0">
                                     <a:latin typeface="Cambria Math" panose="02040503050406030204" pitchFamily="18" charset="0"/>
                                   </a:rPr>
-                                  <m:t>𝑌</m:t>
+                                  <m:t>𝑦</m:t>
                                 </m:r>
                               </m:e>
                               <m:sub>
@@ -3664,7 +3689,25 @@
                               <a:rPr lang="en-US" sz="1100" b="0" i="1" smtClean="0">
                                 <a:latin typeface="Cambria Math" panose="02040503050406030204" pitchFamily="18" charset="0"/>
                               </a:rPr>
-                              <m:t>=1|</m:t>
+                              <m:t>=1</m:t>
+                            </m:r>
+                            <m:r>
+                              <a:rPr lang="en-US" sz="1100" b="0" i="1" smtClean="0">
+                                <a:latin typeface="Cambria Math" panose="02040503050406030204" pitchFamily="18" charset="0"/>
+                              </a:rPr>
+                              <m:t> </m:t>
+                            </m:r>
+                            <m:r>
+                              <a:rPr lang="en-US" sz="1100" b="0" i="1" smtClean="0">
+                                <a:latin typeface="Cambria Math" panose="02040503050406030204" pitchFamily="18" charset="0"/>
+                              </a:rPr>
+                              <m:t>|</m:t>
+                            </m:r>
+                            <m:r>
+                              <a:rPr lang="en-US" sz="1100" b="0" i="1" smtClean="0">
+                                <a:latin typeface="Cambria Math" panose="02040503050406030204" pitchFamily="18" charset="0"/>
+                              </a:rPr>
+                              <m:t> </m:t>
                             </m:r>
                             <m:sSub>
                               <m:sSubPr>
@@ -3679,7 +3722,7 @@
                                   <a:rPr lang="en-US" sz="1100" b="0" i="1" smtClean="0">
                                     <a:latin typeface="Cambria Math" panose="02040503050406030204" pitchFamily="18" charset="0"/>
                                   </a:rPr>
-                                  <m:t>𝑌</m:t>
+                                  <m:t>𝑦</m:t>
                                 </m:r>
                               </m:e>
                               <m:sub>
@@ -3724,8 +3767,8 @@
               </p:nvSpPr>
               <p:spPr>
                 <a:xfrm rot="16200000">
-                  <a:off x="3589646" y="3197946"/>
-                  <a:ext cx="2400850" cy="286745"/>
+                  <a:off x="3552970" y="3197946"/>
+                  <a:ext cx="2474203" cy="286745"/>
                 </a:xfrm>
                 <a:prstGeom prst="rect">
                   <a:avLst/>
@@ -3787,8 +3830,8 @@
             </a:p>
           </p:txBody>
         </p:sp>
-        <mc:AlternateContent xmlns:mc="http://schemas.openxmlformats.org/markup-compatibility/2006">
-          <mc:Choice xmlns:a14="http://schemas.microsoft.com/office/drawing/2010/main" Requires="a14">
+        <mc:AlternateContent xmlns:mc="http://schemas.openxmlformats.org/markup-compatibility/2006" xmlns:a14="http://schemas.microsoft.com/office/drawing/2010/main">
+          <mc:Choice Requires="a14">
             <p:sp>
               <p:nvSpPr>
                 <p:cNvPr id="7" name="TextBox 6">
@@ -3837,7 +3880,7 @@
               </p:txBody>
             </p:sp>
           </mc:Choice>
-          <mc:Fallback>
+          <mc:Fallback xmlns="">
             <p:sp>
               <p:nvSpPr>
                 <p:cNvPr id="7" name="TextBox 6">

--- a/model_evaluation/images/precision_recall_curve.pptx
+++ b/model_evaluation/images/precision_recall_curve.pptx
@@ -259,7 +259,7 @@
           <a:p>
             <a:fld id="{88F26353-9BD6-8B40-BA22-384EE9DEB58A}" type="datetimeFigureOut">
               <a:rPr lang="en-US" smtClean="0"/>
-              <a:t>9/12/20</a:t>
+              <a:t>9/18/20</a:t>
             </a:fld>
             <a:endParaRPr lang="en-US"/>
           </a:p>
@@ -457,7 +457,7 @@
           <a:p>
             <a:fld id="{88F26353-9BD6-8B40-BA22-384EE9DEB58A}" type="datetimeFigureOut">
               <a:rPr lang="en-US" smtClean="0"/>
-              <a:t>9/12/20</a:t>
+              <a:t>9/18/20</a:t>
             </a:fld>
             <a:endParaRPr lang="en-US"/>
           </a:p>
@@ -665,7 +665,7 @@
           <a:p>
             <a:fld id="{88F26353-9BD6-8B40-BA22-384EE9DEB58A}" type="datetimeFigureOut">
               <a:rPr lang="en-US" smtClean="0"/>
-              <a:t>9/12/20</a:t>
+              <a:t>9/18/20</a:t>
             </a:fld>
             <a:endParaRPr lang="en-US"/>
           </a:p>
@@ -863,7 +863,7 @@
           <a:p>
             <a:fld id="{88F26353-9BD6-8B40-BA22-384EE9DEB58A}" type="datetimeFigureOut">
               <a:rPr lang="en-US" smtClean="0"/>
-              <a:t>9/12/20</a:t>
+              <a:t>9/18/20</a:t>
             </a:fld>
             <a:endParaRPr lang="en-US"/>
           </a:p>
@@ -1138,7 +1138,7 @@
           <a:p>
             <a:fld id="{88F26353-9BD6-8B40-BA22-384EE9DEB58A}" type="datetimeFigureOut">
               <a:rPr lang="en-US" smtClean="0"/>
-              <a:t>9/12/20</a:t>
+              <a:t>9/18/20</a:t>
             </a:fld>
             <a:endParaRPr lang="en-US"/>
           </a:p>
@@ -1403,7 +1403,7 @@
           <a:p>
             <a:fld id="{88F26353-9BD6-8B40-BA22-384EE9DEB58A}" type="datetimeFigureOut">
               <a:rPr lang="en-US" smtClean="0"/>
-              <a:t>9/12/20</a:t>
+              <a:t>9/18/20</a:t>
             </a:fld>
             <a:endParaRPr lang="en-US"/>
           </a:p>
@@ -1815,7 +1815,7 @@
           <a:p>
             <a:fld id="{88F26353-9BD6-8B40-BA22-384EE9DEB58A}" type="datetimeFigureOut">
               <a:rPr lang="en-US" smtClean="0"/>
-              <a:t>9/12/20</a:t>
+              <a:t>9/18/20</a:t>
             </a:fld>
             <a:endParaRPr lang="en-US"/>
           </a:p>
@@ -1956,7 +1956,7 @@
           <a:p>
             <a:fld id="{88F26353-9BD6-8B40-BA22-384EE9DEB58A}" type="datetimeFigureOut">
               <a:rPr lang="en-US" smtClean="0"/>
-              <a:t>9/12/20</a:t>
+              <a:t>9/18/20</a:t>
             </a:fld>
             <a:endParaRPr lang="en-US"/>
           </a:p>
@@ -2069,7 +2069,7 @@
           <a:p>
             <a:fld id="{88F26353-9BD6-8B40-BA22-384EE9DEB58A}" type="datetimeFigureOut">
               <a:rPr lang="en-US" smtClean="0"/>
-              <a:t>9/12/20</a:t>
+              <a:t>9/18/20</a:t>
             </a:fld>
             <a:endParaRPr lang="en-US"/>
           </a:p>
@@ -2380,7 +2380,7 @@
           <a:p>
             <a:fld id="{88F26353-9BD6-8B40-BA22-384EE9DEB58A}" type="datetimeFigureOut">
               <a:rPr lang="en-US" smtClean="0"/>
-              <a:t>9/12/20</a:t>
+              <a:t>9/18/20</a:t>
             </a:fld>
             <a:endParaRPr lang="en-US"/>
           </a:p>
@@ -2668,7 +2668,7 @@
           <a:p>
             <a:fld id="{88F26353-9BD6-8B40-BA22-384EE9DEB58A}" type="datetimeFigureOut">
               <a:rPr lang="en-US" smtClean="0"/>
-              <a:t>9/12/20</a:t>
+              <a:t>9/18/20</a:t>
             </a:fld>
             <a:endParaRPr lang="en-US"/>
           </a:p>
@@ -2909,7 +2909,7 @@
           <a:p>
             <a:fld id="{88F26353-9BD6-8B40-BA22-384EE9DEB58A}" type="datetimeFigureOut">
               <a:rPr lang="en-US" smtClean="0"/>
-              <a:t>9/12/20</a:t>
+              <a:t>9/18/20</a:t>
             </a:fld>
             <a:endParaRPr lang="en-US"/>
           </a:p>
@@ -3376,8 +3376,8 @@
             </a:prstGeom>
           </p:spPr>
         </p:pic>
-        <mc:AlternateContent xmlns:mc="http://schemas.openxmlformats.org/markup-compatibility/2006">
-          <mc:Choice xmlns:a14="http://schemas.microsoft.com/office/drawing/2010/main" Requires="a14">
+        <mc:AlternateContent xmlns:mc="http://schemas.openxmlformats.org/markup-compatibility/2006" xmlns:a14="http://schemas.microsoft.com/office/drawing/2010/main">
+          <mc:Choice Requires="a14">
             <p:sp>
               <p:nvSpPr>
                 <p:cNvPr id="4" name="TextBox 3">
@@ -3475,25 +3475,7 @@
                               <a:rPr lang="en-US" sz="1100" b="0" i="1" smtClean="0">
                                 <a:latin typeface="Cambria Math" panose="02040503050406030204" pitchFamily="18" charset="0"/>
                               </a:rPr>
-                              <m:t>=1</m:t>
-                            </m:r>
-                            <m:r>
-                              <a:rPr lang="en-US" sz="1100" b="0" i="1" smtClean="0">
-                                <a:latin typeface="Cambria Math" panose="02040503050406030204" pitchFamily="18" charset="0"/>
-                              </a:rPr>
-                              <m:t> </m:t>
-                            </m:r>
-                            <m:r>
-                              <a:rPr lang="en-US" sz="1100" b="0" i="1" smtClean="0">
-                                <a:latin typeface="Cambria Math" panose="02040503050406030204" pitchFamily="18" charset="0"/>
-                              </a:rPr>
-                              <m:t>|</m:t>
-                            </m:r>
-                            <m:r>
-                              <a:rPr lang="en-US" sz="1100" b="0" i="1" smtClean="0">
-                                <a:latin typeface="Cambria Math" panose="02040503050406030204" pitchFamily="18" charset="0"/>
-                              </a:rPr>
-                              <m:t> </m:t>
+                              <m:t>=1 | </m:t>
                             </m:r>
                             <m:sSub>
                               <m:sSubPr>
@@ -3536,7 +3518,7 @@
               </p:txBody>
             </p:sp>
           </mc:Choice>
-          <mc:Fallback>
+          <mc:Fallback xmlns="">
             <p:sp>
               <p:nvSpPr>
                 <p:cNvPr id="4" name="TextBox 3">
@@ -3581,8 +3563,8 @@
             </p:sp>
           </mc:Fallback>
         </mc:AlternateContent>
-        <mc:AlternateContent xmlns:mc="http://schemas.openxmlformats.org/markup-compatibility/2006">
-          <mc:Choice xmlns:a14="http://schemas.microsoft.com/office/drawing/2010/main" Requires="a14">
+        <mc:AlternateContent xmlns:mc="http://schemas.openxmlformats.org/markup-compatibility/2006" xmlns:a14="http://schemas.microsoft.com/office/drawing/2010/main">
+          <mc:Choice Requires="a14">
             <p:sp>
               <p:nvSpPr>
                 <p:cNvPr id="5" name="TextBox 4">
@@ -3689,25 +3671,7 @@
                               <a:rPr lang="en-US" sz="1100" b="0" i="1" smtClean="0">
                                 <a:latin typeface="Cambria Math" panose="02040503050406030204" pitchFamily="18" charset="0"/>
                               </a:rPr>
-                              <m:t>=1</m:t>
-                            </m:r>
-                            <m:r>
-                              <a:rPr lang="en-US" sz="1100" b="0" i="1" smtClean="0">
-                                <a:latin typeface="Cambria Math" panose="02040503050406030204" pitchFamily="18" charset="0"/>
-                              </a:rPr>
-                              <m:t> </m:t>
-                            </m:r>
-                            <m:r>
-                              <a:rPr lang="en-US" sz="1100" b="0" i="1" smtClean="0">
-                                <a:latin typeface="Cambria Math" panose="02040503050406030204" pitchFamily="18" charset="0"/>
-                              </a:rPr>
-                              <m:t>|</m:t>
-                            </m:r>
-                            <m:r>
-                              <a:rPr lang="en-US" sz="1100" b="0" i="1" smtClean="0">
-                                <a:latin typeface="Cambria Math" panose="02040503050406030204" pitchFamily="18" charset="0"/>
-                              </a:rPr>
-                              <m:t> </m:t>
+                              <m:t>=1 | </m:t>
                             </m:r>
                             <m:sSub>
                               <m:sSubPr>
@@ -3750,7 +3714,7 @@
               </p:txBody>
             </p:sp>
           </mc:Choice>
-          <mc:Fallback>
+          <mc:Fallback xmlns="">
             <p:sp>
               <p:nvSpPr>
                 <p:cNvPr id="5" name="TextBox 4">
@@ -3830,101 +3794,41 @@
             </a:p>
           </p:txBody>
         </p:sp>
-        <mc:AlternateContent xmlns:mc="http://schemas.openxmlformats.org/markup-compatibility/2006" xmlns:a14="http://schemas.microsoft.com/office/drawing/2010/main">
-          <mc:Choice Requires="a14">
-            <p:sp>
-              <p:nvSpPr>
-                <p:cNvPr id="7" name="TextBox 6">
-                  <a:extLst>
-                    <a:ext uri="{FF2B5EF4-FFF2-40B4-BE49-F238E27FC236}">
-                      <a16:creationId xmlns:a16="http://schemas.microsoft.com/office/drawing/2014/main" id="{C6DF9BE5-B262-4741-9E12-BBFCE0D78022}"/>
-                    </a:ext>
-                  </a:extLst>
-                </p:cNvPr>
-                <p:cNvSpPr txBox="1"/>
-                <p:nvPr/>
-              </p:nvSpPr>
-              <p:spPr>
-                <a:xfrm>
-                  <a:off x="6005607" y="3602294"/>
-                  <a:ext cx="701987" cy="276999"/>
-                </a:xfrm>
-                <a:prstGeom prst="rect">
-                  <a:avLst/>
-                </a:prstGeom>
-                <a:noFill/>
-              </p:spPr>
-              <p:txBody>
-                <a:bodyPr wrap="none" rtlCol="0">
-                  <a:spAutoFit/>
-                </a:bodyPr>
-                <a:lstStyle/>
-                <a:p>
-                  <a:r>
-                    <a:rPr lang="en-US" sz="1200" dirty="0"/>
-                    <a:t>Lower </a:t>
-                  </a:r>
-                  <a14:m>
-                    <m:oMath xmlns:m="http://schemas.openxmlformats.org/officeDocument/2006/math">
-                      <m:r>
-                        <a:rPr lang="en-US" sz="1200" i="1" dirty="0" smtClean="0">
-                          <a:latin typeface="Cambria Math" panose="02040503050406030204" pitchFamily="18" charset="0"/>
-                          <a:ea typeface="Cambria Math" panose="02040503050406030204" pitchFamily="18" charset="0"/>
-                        </a:rPr>
-                        <m:t>𝛽</m:t>
-                      </m:r>
-                    </m:oMath>
-                  </a14:m>
-                  <a:endParaRPr lang="en-US" sz="1200" dirty="0"/>
-                </a:p>
-              </p:txBody>
-            </p:sp>
-          </mc:Choice>
-          <mc:Fallback xmlns="">
-            <p:sp>
-              <p:nvSpPr>
-                <p:cNvPr id="7" name="TextBox 6">
-                  <a:extLst>
-                    <a:ext uri="{FF2B5EF4-FFF2-40B4-BE49-F238E27FC236}">
-                      <a16:creationId xmlns:a16="http://schemas.microsoft.com/office/drawing/2014/main" id="{C6DF9BE5-B262-4741-9E12-BBFCE0D78022}"/>
-                    </a:ext>
-                  </a:extLst>
-                </p:cNvPr>
-                <p:cNvSpPr txBox="1">
-                  <a:spLocks noRot="1" noChangeAspect="1" noMove="1" noResize="1" noEditPoints="1" noAdjustHandles="1" noChangeArrowheads="1" noChangeShapeType="1" noTextEdit="1"/>
-                </p:cNvSpPr>
-                <p:nvPr/>
-              </p:nvSpPr>
-              <p:spPr>
-                <a:xfrm>
-                  <a:off x="6005607" y="3602294"/>
-                  <a:ext cx="701987" cy="276999"/>
-                </a:xfrm>
-                <a:prstGeom prst="rect">
-                  <a:avLst/>
-                </a:prstGeom>
-                <a:blipFill>
-                  <a:blip r:embed="rId5"/>
-                  <a:stretch>
-                    <a:fillRect b="-13636"/>
-                  </a:stretch>
-                </a:blipFill>
-              </p:spPr>
-              <p:txBody>
-                <a:bodyPr/>
-                <a:lstStyle/>
-                <a:p>
-                  <a:r>
-                    <a:rPr lang="en-US">
-                      <a:noFill/>
-                    </a:rPr>
-                    <a:t> </a:t>
-                  </a:r>
-                </a:p>
-              </p:txBody>
-            </p:sp>
-          </mc:Fallback>
-        </mc:AlternateContent>
+        <p:sp>
+          <p:nvSpPr>
+            <p:cNvPr id="7" name="TextBox 6">
+              <a:extLst>
+                <a:ext uri="{FF2B5EF4-FFF2-40B4-BE49-F238E27FC236}">
+                  <a16:creationId xmlns:a16="http://schemas.microsoft.com/office/drawing/2014/main" id="{C6DF9BE5-B262-4741-9E12-BBFCE0D78022}"/>
+                </a:ext>
+              </a:extLst>
+            </p:cNvPr>
+            <p:cNvSpPr txBox="1"/>
+            <p:nvPr/>
+          </p:nvSpPr>
+          <p:spPr>
+            <a:xfrm>
+              <a:off x="5841223" y="3602294"/>
+              <a:ext cx="857607" cy="276999"/>
+            </a:xfrm>
+            <a:prstGeom prst="rect">
+              <a:avLst/>
+            </a:prstGeom>
+            <a:noFill/>
+          </p:spPr>
+          <p:txBody>
+            <a:bodyPr wrap="none" rtlCol="0">
+              <a:spAutoFit/>
+            </a:bodyPr>
+            <a:lstStyle/>
+            <a:p>
+              <a:r>
+                <a:rPr lang="en-US" sz="1200" dirty="0"/>
+                <a:t>Lower FNR</a:t>
+              </a:r>
+            </a:p>
+          </p:txBody>
+        </p:sp>
       </p:grpSp>
     </p:spTree>
     <p:extLst>
